--- a/docs/diagrams/OverAllStatsSequenceDiagram.pptx
+++ b/docs/diagrams/OverAllStatsSequenceDiagram.pptx
@@ -126,10 +126,6 @@
 </p:presentation>
 </file>
 
-<file path=ppt/revisionInfo.xml><?xml version="1.0" encoding="utf-8"?>
-<p1510:revInfo xmlns:a="http://schemas.openxmlformats.org/drawingml/2006/main" xmlns:r="http://schemas.openxmlformats.org/officeDocument/2006/relationships" xmlns:p1510="http://schemas.microsoft.com/office/powerpoint/2015/10/main"/>
-</file>
-
 <file path=ppt/notesMasters/notesMaster1.xml><?xml version="1.0" encoding="utf-8"?>
 <p:notesMaster xmlns:a="http://schemas.openxmlformats.org/drawingml/2006/main" xmlns:r="http://schemas.openxmlformats.org/officeDocument/2006/relationships" xmlns:p="http://schemas.openxmlformats.org/presentationml/2006/main">
   <p:cSld>
@@ -212,7 +208,7 @@
           <a:p>
             <a:fld id="{F5CC4B3F-88C1-4FFA-B1B6-F41C21DC6924}" type="datetimeFigureOut">
               <a:rPr lang="en-US" smtClean="0"/>
-              <a:t>7/6/2018</a:t>
+              <a:t>4/3/2019</a:t>
             </a:fld>
             <a:endParaRPr lang="en-US"/>
           </a:p>
@@ -658,7 +654,7 @@
           <a:p>
             <a:fld id="{78C97017-6FC3-485B-9764-EAC9E56C1D49}" type="datetimeFigureOut">
               <a:rPr lang="en-US" smtClean="0"/>
-              <a:t>7/6/2018</a:t>
+              <a:t>4/3/2019</a:t>
             </a:fld>
             <a:endParaRPr lang="en-US"/>
           </a:p>
@@ -826,7 +822,7 @@
           <a:p>
             <a:fld id="{78C97017-6FC3-485B-9764-EAC9E56C1D49}" type="datetimeFigureOut">
               <a:rPr lang="en-US" smtClean="0"/>
-              <a:t>7/6/2018</a:t>
+              <a:t>4/3/2019</a:t>
             </a:fld>
             <a:endParaRPr lang="en-US"/>
           </a:p>
@@ -1004,7 +1000,7 @@
           <a:p>
             <a:fld id="{78C97017-6FC3-485B-9764-EAC9E56C1D49}" type="datetimeFigureOut">
               <a:rPr lang="en-US" smtClean="0"/>
-              <a:t>7/6/2018</a:t>
+              <a:t>4/3/2019</a:t>
             </a:fld>
             <a:endParaRPr lang="en-US"/>
           </a:p>
@@ -1172,7 +1168,7 @@
           <a:p>
             <a:fld id="{78C97017-6FC3-485B-9764-EAC9E56C1D49}" type="datetimeFigureOut">
               <a:rPr lang="en-US" smtClean="0"/>
-              <a:t>7/6/2018</a:t>
+              <a:t>4/3/2019</a:t>
             </a:fld>
             <a:endParaRPr lang="en-US"/>
           </a:p>
@@ -1417,7 +1413,7 @@
           <a:p>
             <a:fld id="{78C97017-6FC3-485B-9764-EAC9E56C1D49}" type="datetimeFigureOut">
               <a:rPr lang="en-US" smtClean="0"/>
-              <a:t>7/6/2018</a:t>
+              <a:t>4/3/2019</a:t>
             </a:fld>
             <a:endParaRPr lang="en-US"/>
           </a:p>
@@ -1702,7 +1698,7 @@
           <a:p>
             <a:fld id="{78C97017-6FC3-485B-9764-EAC9E56C1D49}" type="datetimeFigureOut">
               <a:rPr lang="en-US" smtClean="0"/>
-              <a:t>7/6/2018</a:t>
+              <a:t>4/3/2019</a:t>
             </a:fld>
             <a:endParaRPr lang="en-US"/>
           </a:p>
@@ -2121,7 +2117,7 @@
           <a:p>
             <a:fld id="{78C97017-6FC3-485B-9764-EAC9E56C1D49}" type="datetimeFigureOut">
               <a:rPr lang="en-US" smtClean="0"/>
-              <a:t>7/6/2018</a:t>
+              <a:t>4/3/2019</a:t>
             </a:fld>
             <a:endParaRPr lang="en-US"/>
           </a:p>
@@ -2238,7 +2234,7 @@
           <a:p>
             <a:fld id="{78C97017-6FC3-485B-9764-EAC9E56C1D49}" type="datetimeFigureOut">
               <a:rPr lang="en-US" smtClean="0"/>
-              <a:t>7/6/2018</a:t>
+              <a:t>4/3/2019</a:t>
             </a:fld>
             <a:endParaRPr lang="en-US"/>
           </a:p>
@@ -2333,7 +2329,7 @@
           <a:p>
             <a:fld id="{78C97017-6FC3-485B-9764-EAC9E56C1D49}" type="datetimeFigureOut">
               <a:rPr lang="en-US" smtClean="0"/>
-              <a:t>7/6/2018</a:t>
+              <a:t>4/3/2019</a:t>
             </a:fld>
             <a:endParaRPr lang="en-US"/>
           </a:p>
@@ -2608,7 +2604,7 @@
           <a:p>
             <a:fld id="{78C97017-6FC3-485B-9764-EAC9E56C1D49}" type="datetimeFigureOut">
               <a:rPr lang="en-US" smtClean="0"/>
-              <a:t>7/6/2018</a:t>
+              <a:t>4/3/2019</a:t>
             </a:fld>
             <a:endParaRPr lang="en-US"/>
           </a:p>
@@ -2860,7 +2856,7 @@
           <a:p>
             <a:fld id="{78C97017-6FC3-485B-9764-EAC9E56C1D49}" type="datetimeFigureOut">
               <a:rPr lang="en-US" smtClean="0"/>
-              <a:t>7/6/2018</a:t>
+              <a:t>4/3/2019</a:t>
             </a:fld>
             <a:endParaRPr lang="en-US"/>
           </a:p>
@@ -3071,7 +3067,7 @@
           <a:p>
             <a:fld id="{78C97017-6FC3-485B-9764-EAC9E56C1D49}" type="datetimeFigureOut">
               <a:rPr lang="en-US" smtClean="0"/>
-              <a:t>7/6/2018</a:t>
+              <a:t>4/3/2019</a:t>
             </a:fld>
             <a:endParaRPr lang="en-US"/>
           </a:p>
@@ -3454,8 +3450,8 @@
         </p:nvSpPr>
         <p:spPr>
           <a:xfrm>
-            <a:off x="6459374" y="118895"/>
-            <a:ext cx="3903825" cy="4400926"/>
+            <a:off x="6300568" y="48758"/>
+            <a:ext cx="5689291" cy="5748505"/>
           </a:xfrm>
           <a:prstGeom prst="roundRect">
             <a:avLst>
@@ -3515,8 +3511,8 @@
         </p:nvSpPr>
         <p:spPr>
           <a:xfrm>
-            <a:off x="467813" y="163018"/>
-            <a:ext cx="5863964" cy="4343400"/>
+            <a:off x="196711" y="118895"/>
+            <a:ext cx="6078756" cy="5704382"/>
           </a:xfrm>
           <a:prstGeom prst="roundRect">
             <a:avLst>
@@ -3770,18 +3766,15 @@
                   <a:schemeClr val="bg1"/>
                 </a:solidFill>
               </a:rPr>
-              <a:t>:Address</a:t>
-            </a:r>
-          </a:p>
-          <a:p>
-            <a:pPr algn="ctr"/>
+              <a:t>:</a:t>
+            </a:r>
             <a:r>
               <a:rPr lang="en-US" sz="1600" dirty="0" err="1">
                 <a:solidFill>
                   <a:schemeClr val="bg1"/>
                 </a:solidFill>
               </a:rPr>
-              <a:t>BookParser</a:t>
+              <a:t>PocketProjectParser</a:t>
             </a:r>
             <a:endParaRPr lang="en-SG" sz="1600" dirty="0">
               <a:solidFill>
@@ -3887,14 +3880,13 @@
           <p:cNvCxnSpPr>
             <a:cxnSpLocks/>
             <a:stCxn id="21" idx="0"/>
-            <a:endCxn id="4" idx="0"/>
           </p:cNvCxnSpPr>
           <p:nvPr/>
         </p:nvCxnSpPr>
         <p:spPr>
           <a:xfrm>
             <a:off x="5602082" y="1613633"/>
-            <a:ext cx="0" cy="2644578"/>
+            <a:ext cx="17960" cy="3081859"/>
           </a:xfrm>
           <a:prstGeom prst="line">
             <a:avLst/>
@@ -4034,7 +4026,7 @@
                   <a:srgbClr val="0070C0"/>
                 </a:solidFill>
               </a:rPr>
-              <a:t>execute(“undo”)</a:t>
+              <a:t>execute(“stats”)</a:t>
             </a:r>
           </a:p>
         </p:txBody>
@@ -4239,8 +4231,8 @@
         </p:nvSpPr>
         <p:spPr>
           <a:xfrm>
-            <a:off x="5526488" y="2731313"/>
-            <a:ext cx="161322" cy="1307285"/>
+            <a:off x="5524704" y="2683499"/>
+            <a:ext cx="185600" cy="1529590"/>
           </a:xfrm>
           <a:prstGeom prst="rect">
             <a:avLst/>
@@ -4286,7 +4278,7 @@
         </p:nvSpPr>
         <p:spPr>
           <a:xfrm>
-            <a:off x="5651548" y="2748246"/>
+            <a:off x="5358709" y="2738345"/>
             <a:ext cx="1298078" cy="184666"/>
           </a:xfrm>
           <a:prstGeom prst="rect">
@@ -4319,15 +4311,7 @@
                   </a:schemeClr>
                 </a:solidFill>
               </a:rPr>
-              <a:t>undo</a:t>
-            </a:r>
-            <a:r>
-              <a:rPr lang="en-US" sz="1200" dirty="0" err="1">
-                <a:solidFill>
-                  <a:srgbClr val="7030A0"/>
-                </a:solidFill>
-              </a:rPr>
-              <a:t>AddressBook</a:t>
+              <a:t>overallStats</a:t>
             </a:r>
             <a:r>
               <a:rPr lang="en-US" sz="1200" dirty="0">
@@ -4380,7 +4364,7 @@
             </a:r>
             <a:r>
               <a:rPr lang="en-US" dirty="0"/>
-              <a:t>(“undo”)</a:t>
+              <a:t>(“stats”)</a:t>
             </a:r>
           </a:p>
         </p:txBody>
@@ -4473,7 +4457,7 @@
         </p:nvSpPr>
         <p:spPr>
           <a:xfrm>
-            <a:off x="7497155" y="2568606"/>
+            <a:off x="9621035" y="2556775"/>
             <a:ext cx="2181777" cy="335427"/>
           </a:xfrm>
           <a:prstGeom prst="rect">
@@ -4522,7 +4506,7 @@
                   <a:schemeClr val="bg1"/>
                 </a:solidFill>
               </a:rPr>
-              <a:t>VersionedAddressBook</a:t>
+              <a:t>StatsUtil</a:t>
             </a:r>
             <a:endParaRPr lang="en-SG" sz="1600" dirty="0">
               <a:solidFill>
@@ -4540,7 +4524,7 @@
         </p:nvSpPr>
         <p:spPr>
           <a:xfrm>
-            <a:off x="8514207" y="3182840"/>
+            <a:off x="10769480" y="3264668"/>
             <a:ext cx="129933" cy="398562"/>
           </a:xfrm>
           <a:prstGeom prst="rect">
@@ -4614,7 +4598,7 @@
           <a:p>
             <a:r>
               <a:rPr lang="en-US" dirty="0"/>
-              <a:t>u</a:t>
+              <a:t>s</a:t>
             </a:r>
           </a:p>
         </p:txBody>
@@ -4687,9 +4671,9 @@
           <p:nvPr/>
         </p:nvCxnSpPr>
         <p:spPr>
-          <a:xfrm flipH="1">
-            <a:off x="6986491" y="2653306"/>
-            <a:ext cx="3959" cy="1735710"/>
+          <a:xfrm>
+            <a:off x="6990451" y="2653306"/>
+            <a:ext cx="2724" cy="2680694"/>
           </a:xfrm>
           <a:prstGeom prst="line">
             <a:avLst/>
@@ -4725,8 +4709,8 @@
         </p:nvSpPr>
         <p:spPr>
           <a:xfrm>
-            <a:off x="6887527" y="2958106"/>
-            <a:ext cx="168896" cy="775693"/>
+            <a:off x="6887526" y="2958106"/>
+            <a:ext cx="175603" cy="1380894"/>
           </a:xfrm>
           <a:prstGeom prst="rect">
             <a:avLst/>
@@ -4810,7 +4794,7 @@
         </p:nvSpPr>
         <p:spPr>
           <a:xfrm>
-            <a:off x="5472880" y="4258211"/>
+            <a:off x="5496680" y="4675083"/>
             <a:ext cx="258404" cy="261610"/>
           </a:xfrm>
           <a:prstGeom prst="rect">
@@ -4843,8 +4827,8 @@
         </p:nvSpPr>
         <p:spPr>
           <a:xfrm>
-            <a:off x="5035976" y="1260268"/>
-            <a:ext cx="1093635" cy="461538"/>
+            <a:off x="5058364" y="950671"/>
+            <a:ext cx="1166004" cy="771135"/>
           </a:xfrm>
           <a:prstGeom prst="rect">
             <a:avLst/>
@@ -4884,22 +4868,7 @@
                   <a:schemeClr val="bg1"/>
                 </a:solidFill>
               </a:rPr>
-              <a:t>u:Undo</a:t>
-            </a:r>
-            <a:br>
-              <a:rPr lang="en-US" sz="1600" dirty="0">
-                <a:solidFill>
-                  <a:schemeClr val="bg1"/>
-                </a:solidFill>
-              </a:rPr>
-            </a:br>
-            <a:r>
-              <a:rPr lang="en-US" sz="1600" dirty="0">
-                <a:solidFill>
-                  <a:schemeClr val="bg1"/>
-                </a:solidFill>
-              </a:rPr>
-              <a:t>Command</a:t>
+              <a:t>s:OverallStatsCommand</a:t>
             </a:r>
             <a:endParaRPr lang="en-SG" sz="1600" dirty="0">
               <a:solidFill>
@@ -5043,27 +5012,69 @@
           </a:fontRef>
         </p:style>
       </p:cxnSp>
-      <p:sp>
-        <p:nvSpPr>
-          <p:cNvPr id="88" name="TextBox 87">
+      <p:cxnSp>
+        <p:nvCxnSpPr>
+          <p:cNvPr id="89" name="Straight Connector 88">
             <a:extLst>
               <a:ext uri="{FF2B5EF4-FFF2-40B4-BE49-F238E27FC236}">
-                <a16:creationId xmlns:a16="http://schemas.microsoft.com/office/drawing/2014/main" id="{B85C6184-7378-4E89-A338-72B1E5056F4F}"/>
+                <a16:creationId xmlns:a16="http://schemas.microsoft.com/office/drawing/2014/main" id="{E4E1C8CA-49DF-45D8-80A5-D5C8282EE927}"/>
               </a:ext>
             </a:extLst>
           </p:cNvPr>
+          <p:cNvCxnSpPr>
+            <a:cxnSpLocks/>
+          </p:cNvCxnSpPr>
+          <p:nvPr/>
+        </p:nvCxnSpPr>
+        <p:spPr>
+          <a:xfrm>
+            <a:off x="10816451" y="2738345"/>
+            <a:ext cx="17996" cy="1467648"/>
+          </a:xfrm>
+          <a:prstGeom prst="line">
+            <a:avLst/>
+          </a:prstGeom>
+          <a:ln w="19050">
+            <a:solidFill>
+              <a:srgbClr val="7030A0"/>
+            </a:solidFill>
+            <a:prstDash val="sysDash"/>
+          </a:ln>
+          <a:effectLst/>
+        </p:spPr>
+        <p:style>
+          <a:lnRef idx="1">
+            <a:schemeClr val="accent1"/>
+          </a:lnRef>
+          <a:fillRef idx="2">
+            <a:schemeClr val="accent1"/>
+          </a:fillRef>
+          <a:effectRef idx="1">
+            <a:schemeClr val="accent1"/>
+          </a:effectRef>
+          <a:fontRef idx="minor">
+            <a:schemeClr val="dk1"/>
+          </a:fontRef>
+        </p:style>
+      </p:cxnSp>
+      <p:sp>
+        <p:nvSpPr>
+          <p:cNvPr id="41" name="TextBox 40"/>
           <p:cNvSpPr txBox="1"/>
           <p:nvPr/>
         </p:nvSpPr>
         <p:spPr>
           <a:xfrm>
-            <a:off x="8769530" y="3267337"/>
-            <a:ext cx="2120786" cy="184666"/>
+            <a:off x="7142321" y="2958105"/>
+            <a:ext cx="3649029" cy="184666"/>
           </a:xfrm>
           <a:prstGeom prst="rect">
             <a:avLst/>
           </a:prstGeom>
           <a:noFill/>
+          <a:ln>
+            <a:noFill/>
+          </a:ln>
         </p:spPr>
         <p:txBody>
           <a:bodyPr wrap="square" lIns="0" tIns="0" rIns="0" bIns="0" rtlCol="0">
@@ -5088,7 +5099,7 @@
                   <a:srgbClr val="7030A0"/>
                 </a:solidFill>
               </a:rPr>
-              <a:t>resetData</a:t>
+              <a:t>overallStatsString</a:t>
             </a:r>
             <a:r>
               <a:rPr lang="en-US" sz="1200" dirty="0">
@@ -5096,7 +5107,7 @@
                   <a:srgbClr val="7030A0"/>
                 </a:solidFill>
               </a:rPr>
-              <a:t>(</a:t>
+              <a:t>(employees, projects, </a:t>
             </a:r>
             <a:r>
               <a:rPr lang="en-US" sz="1200" dirty="0" err="1">
@@ -5104,7 +5115,7 @@
                   <a:srgbClr val="7030A0"/>
                 </a:solidFill>
               </a:rPr>
-              <a:t>ReadOnlyAddressBook</a:t>
+              <a:t>completedProjects</a:t>
             </a:r>
             <a:r>
               <a:rPr lang="en-US" sz="1200" dirty="0">
@@ -5114,151 +5125,16 @@
               </a:rPr>
               <a:t>)</a:t>
             </a:r>
-            <a:endParaRPr lang="en-US" sz="1200" dirty="0"/>
-          </a:p>
-        </p:txBody>
-      </p:sp>
-      <p:cxnSp>
-        <p:nvCxnSpPr>
-          <p:cNvPr id="89" name="Straight Connector 88">
-            <a:extLst>
-              <a:ext uri="{FF2B5EF4-FFF2-40B4-BE49-F238E27FC236}">
-                <a16:creationId xmlns:a16="http://schemas.microsoft.com/office/drawing/2014/main" id="{E4E1C8CA-49DF-45D8-80A5-D5C8282EE927}"/>
-              </a:ext>
-            </a:extLst>
-          </p:cNvPr>
-          <p:cNvCxnSpPr>
-            <a:cxnSpLocks/>
-          </p:cNvCxnSpPr>
-          <p:nvPr/>
-        </p:nvCxnSpPr>
-        <p:spPr>
-          <a:xfrm>
-            <a:off x="8588043" y="2871355"/>
-            <a:ext cx="17996" cy="1467648"/>
-          </a:xfrm>
-          <a:prstGeom prst="line">
-            <a:avLst/>
-          </a:prstGeom>
-          <a:ln w="19050">
-            <a:solidFill>
-              <a:srgbClr val="7030A0"/>
-            </a:solidFill>
-            <a:prstDash val="sysDash"/>
-          </a:ln>
-          <a:effectLst/>
-        </p:spPr>
-        <p:style>
-          <a:lnRef idx="1">
-            <a:schemeClr val="accent1"/>
-          </a:lnRef>
-          <a:fillRef idx="2">
-            <a:schemeClr val="accent1"/>
-          </a:fillRef>
-          <a:effectRef idx="1">
-            <a:schemeClr val="accent1"/>
-          </a:effectRef>
-          <a:fontRef idx="minor">
-            <a:schemeClr val="dk1"/>
-          </a:fontRef>
-        </p:style>
-      </p:cxnSp>
-      <p:sp>
-        <p:nvSpPr>
-          <p:cNvPr id="41" name="TextBox 40"/>
-          <p:cNvSpPr txBox="1"/>
-          <p:nvPr/>
-        </p:nvSpPr>
-        <p:spPr>
-          <a:xfrm>
-            <a:off x="7667691" y="2975344"/>
-            <a:ext cx="551687" cy="184666"/>
-          </a:xfrm>
-          <a:prstGeom prst="rect">
-            <a:avLst/>
-          </a:prstGeom>
-          <a:noFill/>
-          <a:ln>
-            <a:noFill/>
-          </a:ln>
-        </p:spPr>
-        <p:txBody>
-          <a:bodyPr wrap="square" lIns="0" tIns="0" rIns="0" bIns="0" rtlCol="0">
-            <a:spAutoFit/>
-          </a:bodyPr>
-          <a:lstStyle>
-            <a:defPPr>
-              <a:defRPr lang="en-US"/>
-            </a:defPPr>
-            <a:lvl1pPr algn="r">
-              <a:defRPr sz="1400">
-                <a:solidFill>
-                  <a:srgbClr val="0070C0"/>
-                </a:solidFill>
-              </a:defRPr>
-            </a:lvl1pPr>
-          </a:lstStyle>
-          <a:p>
-            <a:r>
-              <a:rPr lang="en-US" sz="1200" dirty="0">
-                <a:solidFill>
-                  <a:srgbClr val="7030A0"/>
-                </a:solidFill>
-              </a:rPr>
-              <a:t>undo</a:t>
-            </a:r>
-            <a:r>
-              <a:rPr lang="en-US" sz="1200" dirty="0">
-                <a:solidFill>
-                  <a:schemeClr val="accent4">
-                    <a:lumMod val="75000"/>
-                  </a:schemeClr>
-                </a:solidFill>
-              </a:rPr>
-              <a:t>()</a:t>
-            </a:r>
-          </a:p>
-        </p:txBody>
-      </p:sp>
-      <p:cxnSp>
-        <p:nvCxnSpPr>
-          <p:cNvPr id="13" name="Curved Connector 12"/>
-          <p:cNvCxnSpPr/>
-          <p:nvPr/>
-        </p:nvCxnSpPr>
-        <p:spPr>
-          <a:xfrm rot="16200000" flipH="1">
-            <a:off x="8527578" y="3220579"/>
-            <a:ext cx="156923" cy="76200"/>
-          </a:xfrm>
-          <a:prstGeom prst="curvedConnector4">
-            <a:avLst>
-              <a:gd name="adj1" fmla="val -145677"/>
-              <a:gd name="adj2" fmla="val 400000"/>
-            </a:avLst>
-          </a:prstGeom>
-          <a:ln>
-            <a:solidFill>
-              <a:srgbClr val="7030A0"/>
-            </a:solidFill>
-            <a:tailEnd type="triangle"/>
-          </a:ln>
-        </p:spPr>
-        <p:style>
-          <a:lnRef idx="1">
-            <a:schemeClr val="accent1"/>
-          </a:lnRef>
-          <a:fillRef idx="0">
-            <a:schemeClr val="accent1"/>
-          </a:fillRef>
-          <a:effectRef idx="0">
-            <a:schemeClr val="accent1"/>
-          </a:effectRef>
-          <a:fontRef idx="minor">
-            <a:schemeClr val="tx1"/>
-          </a:fontRef>
-        </p:style>
-      </p:cxnSp>
+            <a:endParaRPr lang="en-US" sz="1200" dirty="0">
+              <a:solidFill>
+                <a:schemeClr val="accent4">
+                  <a:lumMod val="75000"/>
+                </a:schemeClr>
+              </a:solidFill>
+            </a:endParaRPr>
+          </a:p>
+        </p:txBody>
+      </p:sp>
       <p:cxnSp>
         <p:nvCxnSpPr>
           <p:cNvPr id="52" name="Straight Arrow Connector 51"/>
@@ -5269,8 +5145,8 @@
         </p:nvCxnSpPr>
         <p:spPr>
           <a:xfrm>
-            <a:off x="7043991" y="3182839"/>
-            <a:ext cx="1470216" cy="0"/>
+            <a:off x="7043991" y="3264668"/>
+            <a:ext cx="3725489" cy="0"/>
           </a:xfrm>
           <a:prstGeom prst="straightConnector1">
             <a:avLst/>
@@ -5308,13 +5184,14 @@
           </p:cNvPr>
           <p:cNvCxnSpPr>
             <a:cxnSpLocks/>
+            <a:endCxn id="86" idx="2"/>
           </p:cNvCxnSpPr>
           <p:nvPr/>
         </p:nvCxnSpPr>
         <p:spPr>
           <a:xfrm flipV="1">
-            <a:off x="7043991" y="3564914"/>
-            <a:ext cx="1470216" cy="6325"/>
+            <a:off x="7096100" y="3663230"/>
+            <a:ext cx="3738347" cy="20034"/>
           </a:xfrm>
           <a:prstGeom prst="straightConnector1">
             <a:avLst/>
@@ -5354,13 +5231,12 @@
           </p:cNvPr>
           <p:cNvCxnSpPr>
             <a:cxnSpLocks/>
-            <a:endCxn id="49" idx="2"/>
           </p:cNvCxnSpPr>
           <p:nvPr/>
         </p:nvCxnSpPr>
         <p:spPr>
           <a:xfrm>
-            <a:off x="5675919" y="3733799"/>
+            <a:off x="5685755" y="3870476"/>
             <a:ext cx="1296056" cy="0"/>
           </a:xfrm>
           <a:prstGeom prst="straightConnector1">
@@ -5390,6 +5266,152 @@
           </a:fontRef>
         </p:style>
       </p:cxnSp>
+      <p:sp>
+        <p:nvSpPr>
+          <p:cNvPr id="62" name="TextBox 61">
+            <a:extLst>
+              <a:ext uri="{FF2B5EF4-FFF2-40B4-BE49-F238E27FC236}">
+                <a16:creationId xmlns:a16="http://schemas.microsoft.com/office/drawing/2014/main" id="{C6F85041-5FAA-4E05-A429-52ED449D8F16}"/>
+              </a:ext>
+            </a:extLst>
+          </p:cNvPr>
+          <p:cNvSpPr txBox="1"/>
+          <p:nvPr/>
+        </p:nvSpPr>
+        <p:spPr>
+          <a:xfrm>
+            <a:off x="7700380" y="3444538"/>
+            <a:ext cx="1298078" cy="184666"/>
+          </a:xfrm>
+          <a:prstGeom prst="rect">
+            <a:avLst/>
+          </a:prstGeom>
+          <a:noFill/>
+        </p:spPr>
+        <p:txBody>
+          <a:bodyPr wrap="square" lIns="0" tIns="0" rIns="0" bIns="0" rtlCol="0">
+            <a:spAutoFit/>
+          </a:bodyPr>
+          <a:lstStyle>
+            <a:defPPr>
+              <a:defRPr lang="en-US"/>
+            </a:defPPr>
+            <a:lvl1pPr algn="r">
+              <a:defRPr sz="1400">
+                <a:solidFill>
+                  <a:srgbClr val="0070C0"/>
+                </a:solidFill>
+              </a:defRPr>
+            </a:lvl1pPr>
+          </a:lstStyle>
+          <a:p>
+            <a:r>
+              <a:rPr lang="en-US" sz="1200" dirty="0">
+                <a:solidFill>
+                  <a:srgbClr val="7030A0"/>
+                </a:solidFill>
+              </a:rPr>
+              <a:t>result</a:t>
+            </a:r>
+          </a:p>
+        </p:txBody>
+      </p:sp>
+      <p:sp>
+        <p:nvSpPr>
+          <p:cNvPr id="68" name="TextBox 67">
+            <a:extLst>
+              <a:ext uri="{FF2B5EF4-FFF2-40B4-BE49-F238E27FC236}">
+                <a16:creationId xmlns:a16="http://schemas.microsoft.com/office/drawing/2014/main" id="{ABCCE340-2308-4247-AEC6-7411A801FE8D}"/>
+              </a:ext>
+            </a:extLst>
+          </p:cNvPr>
+          <p:cNvSpPr txBox="1"/>
+          <p:nvPr/>
+        </p:nvSpPr>
+        <p:spPr>
+          <a:xfrm>
+            <a:off x="7852427" y="3577920"/>
+            <a:ext cx="1298078" cy="184666"/>
+          </a:xfrm>
+          <a:prstGeom prst="rect">
+            <a:avLst/>
+          </a:prstGeom>
+          <a:noFill/>
+        </p:spPr>
+        <p:txBody>
+          <a:bodyPr wrap="square" lIns="0" tIns="0" rIns="0" bIns="0" rtlCol="0">
+            <a:spAutoFit/>
+          </a:bodyPr>
+          <a:lstStyle>
+            <a:defPPr>
+              <a:defRPr lang="en-US"/>
+            </a:defPPr>
+            <a:lvl1pPr algn="r">
+              <a:defRPr sz="1400">
+                <a:solidFill>
+                  <a:srgbClr val="0070C0"/>
+                </a:solidFill>
+              </a:defRPr>
+            </a:lvl1pPr>
+          </a:lstStyle>
+          <a:p>
+            <a:endParaRPr lang="en-US" sz="1200" dirty="0"/>
+          </a:p>
+        </p:txBody>
+      </p:sp>
+      <p:sp>
+        <p:nvSpPr>
+          <p:cNvPr id="70" name="TextBox 69">
+            <a:extLst>
+              <a:ext uri="{FF2B5EF4-FFF2-40B4-BE49-F238E27FC236}">
+                <a16:creationId xmlns:a16="http://schemas.microsoft.com/office/drawing/2014/main" id="{203B86A2-9D0A-48D3-A72F-2581270C11AA}"/>
+              </a:ext>
+            </a:extLst>
+          </p:cNvPr>
+          <p:cNvSpPr txBox="1"/>
+          <p:nvPr/>
+        </p:nvSpPr>
+        <p:spPr>
+          <a:xfrm>
+            <a:off x="5198166" y="3638307"/>
+            <a:ext cx="1298078" cy="184666"/>
+          </a:xfrm>
+          <a:prstGeom prst="rect">
+            <a:avLst/>
+          </a:prstGeom>
+          <a:noFill/>
+        </p:spPr>
+        <p:txBody>
+          <a:bodyPr wrap="square" lIns="0" tIns="0" rIns="0" bIns="0" rtlCol="0">
+            <a:spAutoFit/>
+          </a:bodyPr>
+          <a:lstStyle>
+            <a:defPPr>
+              <a:defRPr lang="en-US"/>
+            </a:defPPr>
+            <a:lvl1pPr algn="r">
+              <a:defRPr sz="1400">
+                <a:solidFill>
+                  <a:srgbClr val="0070C0"/>
+                </a:solidFill>
+              </a:defRPr>
+            </a:lvl1pPr>
+          </a:lstStyle>
+          <a:p>
+            <a:r>
+              <a:rPr lang="en-US" sz="1200" dirty="0">
+                <a:solidFill>
+                  <a:schemeClr val="accent4">
+                    <a:lumMod val="75000"/>
+                  </a:schemeClr>
+                </a:solidFill>
+              </a:rPr>
+              <a:t>result</a:t>
+            </a:r>
+            <a:endParaRPr lang="en-US" sz="1200" dirty="0"/>
+          </a:p>
+        </p:txBody>
+      </p:sp>
     </p:spTree>
     <p:extLst>
       <p:ext uri="{BB962C8B-B14F-4D97-AF65-F5344CB8AC3E}">
